--- a/docs/draft_pnas/jan figures/figure S1.pptx
+++ b/docs/draft_pnas/jan figures/figure S1.pptx
@@ -289,7 +289,7 @@
             <a:fld id="{BA7ADF44-F693-C841-9EBB-954F27654D1F}" type="datetimeFigureOut">
               <a:rPr lang="en-US" smtClean="0"/>
               <a:pPr/>
-              <a:t>6/3/14</a:t>
+              <a:t>6/4/14</a:t>
             </a:fld>
             <a:endParaRPr lang="en-US"/>
           </a:p>
@@ -456,7 +456,7 @@
             <a:fld id="{BA7ADF44-F693-C841-9EBB-954F27654D1F}" type="datetimeFigureOut">
               <a:rPr lang="en-US" smtClean="0"/>
               <a:pPr/>
-              <a:t>6/3/14</a:t>
+              <a:t>6/4/14</a:t>
             </a:fld>
             <a:endParaRPr lang="en-US"/>
           </a:p>
@@ -633,7 +633,7 @@
             <a:fld id="{BA7ADF44-F693-C841-9EBB-954F27654D1F}" type="datetimeFigureOut">
               <a:rPr lang="en-US" smtClean="0"/>
               <a:pPr/>
-              <a:t>6/3/14</a:t>
+              <a:t>6/4/14</a:t>
             </a:fld>
             <a:endParaRPr lang="en-US"/>
           </a:p>
@@ -800,7 +800,7 @@
             <a:fld id="{BA7ADF44-F693-C841-9EBB-954F27654D1F}" type="datetimeFigureOut">
               <a:rPr lang="en-US" smtClean="0"/>
               <a:pPr/>
-              <a:t>6/3/14</a:t>
+              <a:t>6/4/14</a:t>
             </a:fld>
             <a:endParaRPr lang="en-US"/>
           </a:p>
@@ -1043,7 +1043,7 @@
             <a:fld id="{BA7ADF44-F693-C841-9EBB-954F27654D1F}" type="datetimeFigureOut">
               <a:rPr lang="en-US" smtClean="0"/>
               <a:pPr/>
-              <a:t>6/3/14</a:t>
+              <a:t>6/4/14</a:t>
             </a:fld>
             <a:endParaRPr lang="en-US"/>
           </a:p>
@@ -1328,7 +1328,7 @@
             <a:fld id="{BA7ADF44-F693-C841-9EBB-954F27654D1F}" type="datetimeFigureOut">
               <a:rPr lang="en-US" smtClean="0"/>
               <a:pPr/>
-              <a:t>6/3/14</a:t>
+              <a:t>6/4/14</a:t>
             </a:fld>
             <a:endParaRPr lang="en-US"/>
           </a:p>
@@ -1752,7 +1752,7 @@
             <a:fld id="{BA7ADF44-F693-C841-9EBB-954F27654D1F}" type="datetimeFigureOut">
               <a:rPr lang="en-US" smtClean="0"/>
               <a:pPr/>
-              <a:t>6/3/14</a:t>
+              <a:t>6/4/14</a:t>
             </a:fld>
             <a:endParaRPr lang="en-US"/>
           </a:p>
@@ -1867,7 +1867,7 @@
             <a:fld id="{BA7ADF44-F693-C841-9EBB-954F27654D1F}" type="datetimeFigureOut">
               <a:rPr lang="en-US" smtClean="0"/>
               <a:pPr/>
-              <a:t>6/3/14</a:t>
+              <a:t>6/4/14</a:t>
             </a:fld>
             <a:endParaRPr lang="en-US"/>
           </a:p>
@@ -1959,7 +1959,7 @@
             <a:fld id="{BA7ADF44-F693-C841-9EBB-954F27654D1F}" type="datetimeFigureOut">
               <a:rPr lang="en-US" smtClean="0"/>
               <a:pPr/>
-              <a:t>6/3/14</a:t>
+              <a:t>6/4/14</a:t>
             </a:fld>
             <a:endParaRPr lang="en-US"/>
           </a:p>
@@ -2233,7 +2233,7 @@
             <a:fld id="{BA7ADF44-F693-C841-9EBB-954F27654D1F}" type="datetimeFigureOut">
               <a:rPr lang="en-US" smtClean="0"/>
               <a:pPr/>
-              <a:t>6/3/14</a:t>
+              <a:t>6/4/14</a:t>
             </a:fld>
             <a:endParaRPr lang="en-US"/>
           </a:p>
@@ -2483,7 +2483,7 @@
             <a:fld id="{BA7ADF44-F693-C841-9EBB-954F27654D1F}" type="datetimeFigureOut">
               <a:rPr lang="en-US" smtClean="0"/>
               <a:pPr/>
-              <a:t>6/3/14</a:t>
+              <a:t>6/4/14</a:t>
             </a:fld>
             <a:endParaRPr lang="en-US"/>
           </a:p>
@@ -2693,7 +2693,7 @@
             <a:fld id="{BA7ADF44-F693-C841-9EBB-954F27654D1F}" type="datetimeFigureOut">
               <a:rPr lang="en-US" smtClean="0"/>
               <a:pPr/>
-              <a:t>6/3/14</a:t>
+              <a:t>6/4/14</a:t>
             </a:fld>
             <a:endParaRPr lang="en-US"/>
           </a:p>
@@ -4091,11 +4091,7 @@
             <a:pPr algn="r"/>
             <a:r>
               <a:rPr lang="en-US" sz="2000" dirty="0" smtClean="0"/>
-              <a:t>1</a:t>
-            </a:r>
-            <a:r>
-              <a:rPr lang="en-US" sz="2000" dirty="0" smtClean="0"/>
-              <a:t>0</a:t>
+              <a:t>10</a:t>
             </a:r>
             <a:endParaRPr lang="en-US" sz="2000" dirty="0"/>
           </a:p>
